--- a/InterviewStudyMaterial/ASP.NET_Interview_Questions_with_answers.pptx
+++ b/InterviewStudyMaterial/ASP.NET_Interview_Questions_with_answers.pptx
@@ -5,7 +5,7 @@
     <p:sldMasterId id="2147483648" r:id="rId1"/>
   </p:sldMasterIdLst>
   <p:notesMasterIdLst>
-    <p:notesMasterId r:id="rId35"/>
+    <p:notesMasterId r:id="rId39"/>
   </p:notesMasterIdLst>
   <p:sldIdLst>
     <p:sldId id="256" r:id="rId2"/>
@@ -41,6 +41,10 @@
     <p:sldId id="289" r:id="rId32"/>
     <p:sldId id="290" r:id="rId33"/>
     <p:sldId id="291" r:id="rId34"/>
+    <p:sldId id="292" r:id="rId35"/>
+    <p:sldId id="293" r:id="rId36"/>
+    <p:sldId id="294" r:id="rId37"/>
+    <p:sldId id="295" r:id="rId38"/>
   </p:sldIdLst>
   <p:sldSz cx="9144000" cy="6858000" type="screen4x3"/>
   <p:notesSz cx="6858000" cy="9144000"/>
@@ -2550,7 +2554,7 @@
             <a:fld id="{F44ACCB6-878C-4C91-8634-0328403ABEB7}" type="datetimeFigureOut">
               <a:rPr lang="en-US" smtClean="0"/>
               <a:pPr/>
-              <a:t>1/19/2021</a:t>
+              <a:t>2/17/2021</a:t>
             </a:fld>
             <a:endParaRPr lang="en-US" dirty="0"/>
           </a:p>
@@ -4010,7 +4014,7 @@
             <a:fld id="{13356D62-DA25-4A43-84BD-B30EE7504D09}" type="datetime1">
               <a:rPr lang="en-US" smtClean="0"/>
               <a:pPr/>
-              <a:t>1/19/2021</a:t>
+              <a:t>2/17/2021</a:t>
             </a:fld>
             <a:endParaRPr lang="en-US" dirty="0"/>
           </a:p>
@@ -4177,7 +4181,7 @@
             <a:fld id="{814F8D3D-F6AC-4D97-A2E3-7C6083D43E14}" type="datetime1">
               <a:rPr lang="en-US" smtClean="0"/>
               <a:pPr/>
-              <a:t>1/19/2021</a:t>
+              <a:t>2/17/2021</a:t>
             </a:fld>
             <a:endParaRPr lang="en-US" dirty="0"/>
           </a:p>
@@ -4354,7 +4358,7 @@
             <a:fld id="{918C6237-BF11-4109-A278-FBD11E4E63B6}" type="datetime1">
               <a:rPr lang="en-US" smtClean="0"/>
               <a:pPr/>
-              <a:t>1/19/2021</a:t>
+              <a:t>2/17/2021</a:t>
             </a:fld>
             <a:endParaRPr lang="en-US" dirty="0"/>
           </a:p>
@@ -4521,7 +4525,7 @@
             <a:fld id="{6BAB7C4F-C0F9-4814-8EF4-D06C5ECF3002}" type="datetime1">
               <a:rPr lang="en-US" smtClean="0"/>
               <a:pPr/>
-              <a:t>1/19/2021</a:t>
+              <a:t>2/17/2021</a:t>
             </a:fld>
             <a:endParaRPr lang="en-US" dirty="0"/>
           </a:p>
@@ -4764,7 +4768,7 @@
             <a:fld id="{14521067-E53F-434B-94A3-214DFAAEADE4}" type="datetime1">
               <a:rPr lang="en-US" smtClean="0"/>
               <a:pPr/>
-              <a:t>1/19/2021</a:t>
+              <a:t>2/17/2021</a:t>
             </a:fld>
             <a:endParaRPr lang="en-US" dirty="0"/>
           </a:p>
@@ -5049,7 +5053,7 @@
             <a:fld id="{392A1148-9868-4D9E-A495-D3240CB69D2F}" type="datetime1">
               <a:rPr lang="en-US" smtClean="0"/>
               <a:pPr/>
-              <a:t>1/19/2021</a:t>
+              <a:t>2/17/2021</a:t>
             </a:fld>
             <a:endParaRPr lang="en-US" dirty="0"/>
           </a:p>
@@ -5468,7 +5472,7 @@
             <a:fld id="{F8B369F5-87A9-425A-9D62-6801B9DD556F}" type="datetime1">
               <a:rPr lang="en-US" smtClean="0"/>
               <a:pPr/>
-              <a:t>1/19/2021</a:t>
+              <a:t>2/17/2021</a:t>
             </a:fld>
             <a:endParaRPr lang="en-US" dirty="0"/>
           </a:p>
@@ -5583,7 +5587,7 @@
             <a:fld id="{B6D94026-00C5-4147-98C3-F97EDD37CE9B}" type="datetime1">
               <a:rPr lang="en-US" smtClean="0"/>
               <a:pPr/>
-              <a:t>1/19/2021</a:t>
+              <a:t>2/17/2021</a:t>
             </a:fld>
             <a:endParaRPr lang="en-US" dirty="0"/>
           </a:p>
@@ -5675,7 +5679,7 @@
             <a:fld id="{8928E2AF-92CE-4484-A808-E3FD8E45B72C}" type="datetime1">
               <a:rPr lang="en-US" smtClean="0"/>
               <a:pPr/>
-              <a:t>1/19/2021</a:t>
+              <a:t>2/17/2021</a:t>
             </a:fld>
             <a:endParaRPr lang="en-US" dirty="0"/>
           </a:p>
@@ -5949,7 +5953,7 @@
             <a:fld id="{AA731B05-1C07-403E-A0CC-EE082BF3B586}" type="datetime1">
               <a:rPr lang="en-US" smtClean="0"/>
               <a:pPr/>
-              <a:t>1/19/2021</a:t>
+              <a:t>2/17/2021</a:t>
             </a:fld>
             <a:endParaRPr lang="en-US" dirty="0"/>
           </a:p>
@@ -6199,7 +6203,7 @@
             <a:fld id="{2B730414-610B-4C3B-8768-7E104C29943C}" type="datetime1">
               <a:rPr lang="en-US" smtClean="0"/>
               <a:pPr/>
-              <a:t>1/19/2021</a:t>
+              <a:t>2/17/2021</a:t>
             </a:fld>
             <a:endParaRPr lang="en-US" dirty="0"/>
           </a:p>
@@ -6424,7 +6428,7 @@
             <a:fld id="{74EC135A-3407-4695-A82D-1B177E093034}" type="datetime1">
               <a:rPr lang="en-US" smtClean="0"/>
               <a:pPr/>
-              <a:t>1/19/2021</a:t>
+              <a:t>2/17/2021</a:t>
             </a:fld>
             <a:endParaRPr lang="en-US" dirty="0"/>
           </a:p>
@@ -7157,11 +7161,7 @@
               <a:buAutoNum type="arabicParenR"/>
             </a:pPr>
             <a:r>
-              <a:rPr lang="en-US" dirty="0" smtClean="0">
-                <a:solidFill>
-                  <a:schemeClr val="tx2"/>
-                </a:solidFill>
-              </a:rPr>
+              <a:rPr lang="en-US" dirty="0" smtClean="0"/>
               <a:t>client side state management techniques</a:t>
             </a:r>
           </a:p>
@@ -7171,11 +7171,7 @@
               <a:buAutoNum type="alphaUcPeriod"/>
             </a:pPr>
             <a:r>
-              <a:rPr lang="en-US" dirty="0" smtClean="0">
-                <a:solidFill>
-                  <a:schemeClr val="tx2"/>
-                </a:solidFill>
-              </a:rPr>
+              <a:rPr lang="en-US" dirty="0" smtClean="0"/>
               <a:t>query string</a:t>
             </a:r>
           </a:p>
@@ -7185,11 +7181,7 @@
               <a:buAutoNum type="alphaUcPeriod"/>
             </a:pPr>
             <a:r>
-              <a:rPr lang="en-US" dirty="0" smtClean="0">
-                <a:solidFill>
-                  <a:schemeClr val="tx2"/>
-                </a:solidFill>
-              </a:rPr>
+              <a:rPr lang="en-US" dirty="0" smtClean="0"/>
               <a:t>cookies</a:t>
             </a:r>
           </a:p>
@@ -7199,11 +7191,7 @@
               <a:buAutoNum type="alphaUcPeriod"/>
             </a:pPr>
             <a:r>
-              <a:rPr lang="en-US" dirty="0" smtClean="0">
-                <a:solidFill>
-                  <a:schemeClr val="tx2"/>
-                </a:solidFill>
-              </a:rPr>
+              <a:rPr lang="en-US" dirty="0" smtClean="0"/>
               <a:t>hidden field controls</a:t>
             </a:r>
           </a:p>
@@ -7213,11 +7201,7 @@
               <a:buAutoNum type="alphaUcPeriod"/>
             </a:pPr>
             <a:r>
-              <a:rPr lang="en-US" dirty="0" smtClean="0">
-                <a:solidFill>
-                  <a:schemeClr val="tx2"/>
-                </a:solidFill>
-              </a:rPr>
+              <a:rPr lang="en-US" dirty="0" smtClean="0"/>
               <a:t>viewstate</a:t>
             </a:r>
           </a:p>
@@ -7227,11 +7211,7 @@
               <a:buAutoNum type="alphaUcPeriod"/>
             </a:pPr>
             <a:r>
-              <a:rPr lang="en-US" dirty="0" smtClean="0">
-                <a:solidFill>
-                  <a:schemeClr val="tx2"/>
-                </a:solidFill>
-              </a:rPr>
+              <a:rPr lang="en-US" dirty="0" smtClean="0"/>
               <a:t>controlstate</a:t>
             </a:r>
           </a:p>
@@ -7819,7 +7799,7 @@
             </a:pPr>
             <a:r>
               <a:rPr lang="en-US" dirty="0" smtClean="0"/>
-              <a:t>    hidden field control is a client side state management technique. it is not recommended to store sensitive data in the hidden field control as the data will be visible to end user when user goes to the view source.</a:t>
+              <a:t>    hidden field control is a client side state management technique. it is not recommended to store sensitive data in the hidden field control as the data will be visible to end user when user goes to the view page source.</a:t>
             </a:r>
             <a:endParaRPr lang="en-US" dirty="0"/>
           </a:p>
@@ -11251,6 +11231,513 @@
 </p:sld>
 </file>
 
+<file path=ppt/slides/slide34.xml><?xml version="1.0" encoding="utf-8"?>
+<p:sld xmlns:a="http://schemas.openxmlformats.org/drawingml/2006/main" xmlns:r="http://schemas.openxmlformats.org/officeDocument/2006/relationships" xmlns:p="http://schemas.openxmlformats.org/presentationml/2006/main">
+  <p:cSld>
+    <p:spTree>
+      <p:nvGrpSpPr>
+        <p:cNvPr id="1" name=""/>
+        <p:cNvGrpSpPr/>
+        <p:nvPr/>
+      </p:nvGrpSpPr>
+      <p:grpSpPr>
+        <a:xfrm>
+          <a:off x="0" y="0"/>
+          <a:ext cx="0" cy="0"/>
+          <a:chOff x="0" y="0"/>
+          <a:chExt cx="0" cy="0"/>
+        </a:xfrm>
+      </p:grpSpPr>
+      <p:sp>
+        <p:nvSpPr>
+          <p:cNvPr id="3" name="Content Placeholder 2"/>
+          <p:cNvSpPr>
+            <a:spLocks noGrp="1"/>
+          </p:cNvSpPr>
+          <p:nvPr>
+            <p:ph idx="1"/>
+          </p:nvPr>
+        </p:nvSpPr>
+        <p:spPr>
+          <a:xfrm>
+            <a:off x="457200" y="381000"/>
+            <a:ext cx="8229600" cy="5745163"/>
+          </a:xfrm>
+        </p:spPr>
+        <p:txBody>
+          <a:bodyPr/>
+          <a:lstStyle/>
+          <a:p>
+            <a:r>
+              <a:rPr lang="en-US" dirty="0" smtClean="0">
+                <a:solidFill>
+                  <a:srgbClr val="FFC000"/>
+                </a:solidFill>
+              </a:rPr>
+              <a:t>How  can we prevent browser from catching an aspx page?</a:t>
+            </a:r>
+          </a:p>
+          <a:p>
+            <a:r>
+              <a:rPr lang="en-US" dirty="0" smtClean="0"/>
+              <a:t>By using SetNoStore().</a:t>
+            </a:r>
+          </a:p>
+          <a:p>
+            <a:endParaRPr lang="en-US" dirty="0" smtClean="0"/>
+          </a:p>
+          <a:p>
+            <a:r>
+              <a:rPr lang="en-US" dirty="0" smtClean="0">
+                <a:solidFill>
+                  <a:srgbClr val="FFC000"/>
+                </a:solidFill>
+              </a:rPr>
+              <a:t>What is the difference between  web.config and machine.config?</a:t>
+            </a:r>
+          </a:p>
+          <a:p>
+            <a:r>
+              <a:rPr lang="en-US" dirty="0" smtClean="0"/>
+              <a:t>Web.Config file is specfic to a web application</a:t>
+            </a:r>
+          </a:p>
+          <a:p>
+            <a:pPr>
+              <a:buNone/>
+            </a:pPr>
+            <a:r>
+              <a:rPr lang="en-US" dirty="0" smtClean="0"/>
+              <a:t>	where as machine.config is specfic to a machine or server</a:t>
+            </a:r>
+          </a:p>
+          <a:p>
+            <a:pPr>
+              <a:buNone/>
+            </a:pPr>
+            <a:endParaRPr lang="en-US" dirty="0" smtClean="0"/>
+          </a:p>
+        </p:txBody>
+      </p:sp>
+      <p:sp>
+        <p:nvSpPr>
+          <p:cNvPr id="4" name="Slide Number Placeholder 3"/>
+          <p:cNvSpPr>
+            <a:spLocks noGrp="1"/>
+          </p:cNvSpPr>
+          <p:nvPr>
+            <p:ph type="sldNum" sz="quarter" idx="12"/>
+          </p:nvPr>
+        </p:nvSpPr>
+        <p:spPr/>
+        <p:txBody>
+          <a:bodyPr/>
+          <a:lstStyle/>
+          <a:p>
+            <a:fld id="{B6F15528-21DE-4FAA-801E-634DDDAF4B2B}" type="slidenum">
+              <a:rPr lang="en-US" smtClean="0"/>
+              <a:pPr/>
+              <a:t>34</a:t>
+            </a:fld>
+            <a:endParaRPr lang="en-US" dirty="0"/>
+          </a:p>
+        </p:txBody>
+      </p:sp>
+    </p:spTree>
+  </p:cSld>
+  <p:clrMapOvr>
+    <a:masterClrMapping/>
+  </p:clrMapOvr>
+</p:sld>
+</file>
+
+<file path=ppt/slides/slide35.xml><?xml version="1.0" encoding="utf-8"?>
+<p:sld xmlns:a="http://schemas.openxmlformats.org/drawingml/2006/main" xmlns:r="http://schemas.openxmlformats.org/officeDocument/2006/relationships" xmlns:p="http://schemas.openxmlformats.org/presentationml/2006/main">
+  <p:cSld>
+    <p:spTree>
+      <p:nvGrpSpPr>
+        <p:cNvPr id="1" name=""/>
+        <p:cNvGrpSpPr/>
+        <p:nvPr/>
+      </p:nvGrpSpPr>
+      <p:grpSpPr>
+        <a:xfrm>
+          <a:off x="0" y="0"/>
+          <a:ext cx="0" cy="0"/>
+          <a:chOff x="0" y="0"/>
+          <a:chExt cx="0" cy="0"/>
+        </a:xfrm>
+      </p:grpSpPr>
+      <p:sp>
+        <p:nvSpPr>
+          <p:cNvPr id="3" name="Content Placeholder 2"/>
+          <p:cNvSpPr>
+            <a:spLocks noGrp="1"/>
+          </p:cNvSpPr>
+          <p:nvPr>
+            <p:ph idx="1"/>
+          </p:nvPr>
+        </p:nvSpPr>
+        <p:spPr>
+          <a:xfrm>
+            <a:off x="457200" y="304800"/>
+            <a:ext cx="8229600" cy="5821363"/>
+          </a:xfrm>
+        </p:spPr>
+        <p:txBody>
+          <a:bodyPr>
+            <a:normAutofit lnSpcReduction="10000"/>
+          </a:bodyPr>
+          <a:lstStyle/>
+          <a:p>
+            <a:r>
+              <a:rPr lang="en-US" dirty="0" smtClean="0">
+                <a:solidFill>
+                  <a:srgbClr val="FFC000"/>
+                </a:solidFill>
+              </a:rPr>
+              <a:t>How we can force all the validation controls to run?</a:t>
+            </a:r>
+          </a:p>
+          <a:p>
+            <a:r>
+              <a:rPr lang="en-US" dirty="0" smtClean="0"/>
+              <a:t>Page.Validate().</a:t>
+            </a:r>
+            <a:endParaRPr lang="en-US" dirty="0" smtClean="0"/>
+          </a:p>
+          <a:p>
+            <a:r>
+              <a:rPr lang="en-US" dirty="0" smtClean="0">
+                <a:solidFill>
+                  <a:srgbClr val="FFC000"/>
+                </a:solidFill>
+              </a:rPr>
+              <a:t>What is the appSettings section in the web.config.file?</a:t>
+            </a:r>
+          </a:p>
+          <a:p>
+            <a:pPr>
+              <a:buNone/>
+            </a:pPr>
+            <a:r>
+              <a:rPr lang="en-US" dirty="0" smtClean="0"/>
+              <a:t>	</a:t>
+            </a:r>
+            <a:r>
+              <a:rPr lang="en-US" dirty="0" smtClean="0"/>
+              <a:t>The appsettings block in web.config file sets the user defined values for the whole application.</a:t>
+            </a:r>
+          </a:p>
+          <a:p>
+            <a:pPr>
+              <a:buNone/>
+            </a:pPr>
+            <a:r>
+              <a:rPr lang="en-US" dirty="0" smtClean="0">
+                <a:solidFill>
+                  <a:srgbClr val="FFC000"/>
+                </a:solidFill>
+              </a:rPr>
+              <a:t>	</a:t>
+            </a:r>
+            <a:r>
+              <a:rPr lang="en-US" dirty="0" smtClean="0">
+                <a:solidFill>
+                  <a:srgbClr val="FFC000"/>
+                </a:solidFill>
+              </a:rPr>
+              <a:t>Explain the Global.asax file?</a:t>
+            </a:r>
+          </a:p>
+          <a:p>
+            <a:pPr>
+              <a:buNone/>
+            </a:pPr>
+            <a:r>
+              <a:rPr lang="en-US" dirty="0" smtClean="0"/>
+              <a:t>	global.asax allows us to write event handles the react to global events in web.</a:t>
+            </a:r>
+            <a:endParaRPr lang="en-US" dirty="0"/>
+          </a:p>
+        </p:txBody>
+      </p:sp>
+      <p:sp>
+        <p:nvSpPr>
+          <p:cNvPr id="4" name="Slide Number Placeholder 3"/>
+          <p:cNvSpPr>
+            <a:spLocks noGrp="1"/>
+          </p:cNvSpPr>
+          <p:nvPr>
+            <p:ph type="sldNum" sz="quarter" idx="12"/>
+          </p:nvPr>
+        </p:nvSpPr>
+        <p:spPr/>
+        <p:txBody>
+          <a:bodyPr/>
+          <a:lstStyle/>
+          <a:p>
+            <a:fld id="{B6F15528-21DE-4FAA-801E-634DDDAF4B2B}" type="slidenum">
+              <a:rPr lang="en-US" smtClean="0"/>
+              <a:pPr/>
+              <a:t>35</a:t>
+            </a:fld>
+            <a:endParaRPr lang="en-US" dirty="0"/>
+          </a:p>
+        </p:txBody>
+      </p:sp>
+    </p:spTree>
+  </p:cSld>
+  <p:clrMapOvr>
+    <a:masterClrMapping/>
+  </p:clrMapOvr>
+</p:sld>
+</file>
+
+<file path=ppt/slides/slide36.xml><?xml version="1.0" encoding="utf-8"?>
+<p:sld xmlns:a="http://schemas.openxmlformats.org/drawingml/2006/main" xmlns:r="http://schemas.openxmlformats.org/officeDocument/2006/relationships" xmlns:p="http://schemas.openxmlformats.org/presentationml/2006/main">
+  <p:cSld>
+    <p:spTree>
+      <p:nvGrpSpPr>
+        <p:cNvPr id="1" name=""/>
+        <p:cNvGrpSpPr/>
+        <p:nvPr/>
+      </p:nvGrpSpPr>
+      <p:grpSpPr>
+        <a:xfrm>
+          <a:off x="0" y="0"/>
+          <a:ext cx="0" cy="0"/>
+          <a:chOff x="0" y="0"/>
+          <a:chExt cx="0" cy="0"/>
+        </a:xfrm>
+      </p:grpSpPr>
+      <p:sp>
+        <p:nvSpPr>
+          <p:cNvPr id="3" name="Content Placeholder 2"/>
+          <p:cNvSpPr>
+            <a:spLocks noGrp="1"/>
+          </p:cNvSpPr>
+          <p:nvPr>
+            <p:ph idx="1"/>
+          </p:nvPr>
+        </p:nvSpPr>
+        <p:spPr>
+          <a:xfrm>
+            <a:off x="457200" y="381000"/>
+            <a:ext cx="8229600" cy="5745163"/>
+          </a:xfrm>
+        </p:spPr>
+        <p:txBody>
+          <a:bodyPr/>
+          <a:lstStyle/>
+          <a:p>
+            <a:r>
+              <a:rPr lang="en-US" dirty="0" smtClean="0">
+                <a:solidFill>
+                  <a:srgbClr val="FFC000"/>
+                </a:solidFill>
+              </a:rPr>
+              <a:t>What is cross page posting?how is it done?</a:t>
+            </a:r>
+          </a:p>
+          <a:p>
+            <a:pPr>
+              <a:buNone/>
+            </a:pPr>
+            <a:r>
+              <a:rPr lang="en-US" dirty="0" smtClean="0"/>
+              <a:t>	By default ,ASP.NET submits a form to the same page in cross page posting the form is submitted to a different page.This is done by settings the ‘PostBackUrl’ property of the button(the causes postback) to the desired page.</a:t>
+            </a:r>
+          </a:p>
+          <a:p>
+            <a:pPr>
+              <a:buNone/>
+            </a:pPr>
+            <a:r>
+              <a:rPr lang="en-US" dirty="0" smtClean="0"/>
+              <a:t>	</a:t>
+            </a:r>
+            <a:r>
+              <a:rPr lang="en-US" dirty="0" smtClean="0">
+                <a:solidFill>
+                  <a:srgbClr val="FFC000"/>
+                </a:solidFill>
+              </a:rPr>
+              <a:t>Which compiler is used in ASP.NET?</a:t>
+            </a:r>
+          </a:p>
+          <a:p>
+            <a:pPr>
+              <a:buNone/>
+            </a:pPr>
+            <a:r>
+              <a:rPr lang="en-US" dirty="0" smtClean="0"/>
+              <a:t>	Roslyn is the name of the compiler used by .NET Framework.</a:t>
+            </a:r>
+            <a:endParaRPr lang="en-US" dirty="0" smtClean="0"/>
+          </a:p>
+        </p:txBody>
+      </p:sp>
+      <p:sp>
+        <p:nvSpPr>
+          <p:cNvPr id="4" name="Slide Number Placeholder 3"/>
+          <p:cNvSpPr>
+            <a:spLocks noGrp="1"/>
+          </p:cNvSpPr>
+          <p:nvPr>
+            <p:ph type="sldNum" sz="quarter" idx="12"/>
+          </p:nvPr>
+        </p:nvSpPr>
+        <p:spPr/>
+        <p:txBody>
+          <a:bodyPr/>
+          <a:lstStyle/>
+          <a:p>
+            <a:fld id="{B6F15528-21DE-4FAA-801E-634DDDAF4B2B}" type="slidenum">
+              <a:rPr lang="en-US" smtClean="0"/>
+              <a:pPr/>
+              <a:t>36</a:t>
+            </a:fld>
+            <a:endParaRPr lang="en-US" dirty="0"/>
+          </a:p>
+        </p:txBody>
+      </p:sp>
+    </p:spTree>
+  </p:cSld>
+  <p:clrMapOvr>
+    <a:masterClrMapping/>
+  </p:clrMapOvr>
+</p:sld>
+</file>
+
+<file path=ppt/slides/slide37.xml><?xml version="1.0" encoding="utf-8"?>
+<p:sld xmlns:a="http://schemas.openxmlformats.org/drawingml/2006/main" xmlns:r="http://schemas.openxmlformats.org/officeDocument/2006/relationships" xmlns:p="http://schemas.openxmlformats.org/presentationml/2006/main">
+  <p:cSld>
+    <p:spTree>
+      <p:nvGrpSpPr>
+        <p:cNvPr id="1" name=""/>
+        <p:cNvGrpSpPr/>
+        <p:nvPr/>
+      </p:nvGrpSpPr>
+      <p:grpSpPr>
+        <a:xfrm>
+          <a:off x="0" y="0"/>
+          <a:ext cx="0" cy="0"/>
+          <a:chOff x="0" y="0"/>
+          <a:chExt cx="0" cy="0"/>
+        </a:xfrm>
+      </p:grpSpPr>
+      <p:sp>
+        <p:nvSpPr>
+          <p:cNvPr id="3" name="Content Placeholder 2"/>
+          <p:cNvSpPr>
+            <a:spLocks noGrp="1"/>
+          </p:cNvSpPr>
+          <p:nvPr>
+            <p:ph idx="1"/>
+          </p:nvPr>
+        </p:nvSpPr>
+        <p:spPr>
+          <a:xfrm>
+            <a:off x="457200" y="381000"/>
+            <a:ext cx="8229600" cy="5745163"/>
+          </a:xfrm>
+        </p:spPr>
+        <p:txBody>
+          <a:bodyPr>
+            <a:normAutofit fontScale="92500" lnSpcReduction="20000"/>
+          </a:bodyPr>
+          <a:lstStyle/>
+          <a:p>
+            <a:r>
+              <a:rPr lang="en-US" dirty="0" smtClean="0">
+                <a:solidFill>
+                  <a:srgbClr val="FFC000"/>
+                </a:solidFill>
+              </a:rPr>
+              <a:t>Explain the various  modes for the Session state in ASP.NET?</a:t>
+            </a:r>
+          </a:p>
+          <a:p>
+            <a:r>
+              <a:rPr lang="en-US" dirty="0" smtClean="0"/>
+              <a:t>Inproc: The session state is stored in the memory on the web server this is the default mode.</a:t>
+            </a:r>
+          </a:p>
+          <a:p>
+            <a:r>
+              <a:rPr lang="en-US" dirty="0" smtClean="0"/>
+              <a:t>Custom mode: you can specify a  common  storage provider.</a:t>
+            </a:r>
+          </a:p>
+          <a:p>
+            <a:r>
+              <a:rPr lang="en-US" dirty="0" smtClean="0"/>
+              <a:t>Off Mode: disable the session state.</a:t>
+            </a:r>
+          </a:p>
+          <a:p>
+            <a:r>
+              <a:rPr lang="en-US" dirty="0" smtClean="0"/>
+              <a:t>OutProc :There are two ways  to handle this mode</a:t>
+            </a:r>
+          </a:p>
+          <a:p>
+            <a:r>
+              <a:rPr lang="en-US" dirty="0" smtClean="0"/>
+              <a:t>Stateserver:the session state Is stored in separate process known as asp.net state service.</a:t>
+            </a:r>
+          </a:p>
+          <a:p>
+            <a:r>
+              <a:rPr lang="en-US" dirty="0" smtClean="0"/>
+              <a:t>SQLServer: Session state is stored in  a database.</a:t>
+            </a:r>
+          </a:p>
+          <a:p>
+            <a:pPr>
+              <a:buNone/>
+            </a:pPr>
+            <a:r>
+              <a:rPr lang="en-US" dirty="0" smtClean="0"/>
+              <a:t>	</a:t>
+            </a:r>
+            <a:endParaRPr lang="en-US" dirty="0"/>
+          </a:p>
+        </p:txBody>
+      </p:sp>
+      <p:sp>
+        <p:nvSpPr>
+          <p:cNvPr id="4" name="Slide Number Placeholder 3"/>
+          <p:cNvSpPr>
+            <a:spLocks noGrp="1"/>
+          </p:cNvSpPr>
+          <p:nvPr>
+            <p:ph type="sldNum" sz="quarter" idx="12"/>
+          </p:nvPr>
+        </p:nvSpPr>
+        <p:spPr/>
+        <p:txBody>
+          <a:bodyPr/>
+          <a:lstStyle/>
+          <a:p>
+            <a:fld id="{B6F15528-21DE-4FAA-801E-634DDDAF4B2B}" type="slidenum">
+              <a:rPr lang="en-US" smtClean="0"/>
+              <a:pPr/>
+              <a:t>37</a:t>
+            </a:fld>
+            <a:endParaRPr lang="en-US" dirty="0"/>
+          </a:p>
+        </p:txBody>
+      </p:sp>
+    </p:spTree>
+  </p:cSld>
+  <p:clrMapOvr>
+    <a:masterClrMapping/>
+  </p:clrMapOvr>
+</p:sld>
+</file>
+
 <file path=ppt/slides/slide4.xml><?xml version="1.0" encoding="utf-8"?>
 <p:sld xmlns:a="http://schemas.openxmlformats.org/drawingml/2006/main" xmlns:r="http://schemas.openxmlformats.org/officeDocument/2006/relationships" xmlns:p="http://schemas.openxmlformats.org/presentationml/2006/main">
   <p:cSld>
@@ -12023,11 +12510,7 @@
             </a:r>
             <a:r>
               <a:rPr lang="en-US" dirty="0" smtClean="0"/>
-              <a:t> </a:t>
-            </a:r>
-            <a:r>
-              <a:rPr lang="en-US" dirty="0" smtClean="0"/>
-              <a:t>the current page execution will be </a:t>
+              <a:t> the current page execution will be </a:t>
             </a:r>
             <a:r>
               <a:rPr lang="en-US" b="1" dirty="0" smtClean="0">
